--- a/Seminar/Book_Natural Language Processing with Transformers/Presentation files/Summarization with Hugging Face.pptx
+++ b/Seminar/Book_Natural Language Processing with Transformers/Presentation files/Summarization with Hugging Face.pptx
@@ -5,7 +5,7 @@
     <p:sldMasterId id="2147483648" r:id="rId4"/>
   </p:sldMasterIdLst>
   <p:notesMasterIdLst>
-    <p:notesMasterId r:id="rId11"/>
+    <p:notesMasterId r:id="rId21"/>
   </p:notesMasterIdLst>
   <p:sldIdLst>
     <p:sldId id="256" r:id="rId5"/>
@@ -14,6 +14,16 @@
     <p:sldId id="284" r:id="rId8"/>
     <p:sldId id="285" r:id="rId9"/>
     <p:sldId id="286" r:id="rId10"/>
+    <p:sldId id="289" r:id="rId11"/>
+    <p:sldId id="294" r:id="rId12"/>
+    <p:sldId id="295" r:id="rId13"/>
+    <p:sldId id="290" r:id="rId14"/>
+    <p:sldId id="291" r:id="rId15"/>
+    <p:sldId id="292" r:id="rId16"/>
+    <p:sldId id="293" r:id="rId17"/>
+    <p:sldId id="296" r:id="rId18"/>
+    <p:sldId id="287" r:id="rId19"/>
+    <p:sldId id="288" r:id="rId20"/>
   </p:sldIdLst>
   <p:sldSz cx="12192000" cy="6858000"/>
   <p:notesSz cx="6858000" cy="9144000"/>
@@ -202,7 +212,7 @@
           <a:p>
             <a:fld id="{B0B7CCE6-DF56-42D2-9D0F-6C3610721DDD}" type="datetimeFigureOut">
               <a:rPr lang="ko-KR" altLang="en-US" smtClean="0"/>
-              <a:t>2022-08-02</a:t>
+              <a:t>2022-08-18</a:t>
             </a:fld>
             <a:endParaRPr lang="ko-KR" altLang="en-US"/>
           </a:p>
@@ -469,6 +479,90 @@
 </p:notesMaster>
 </file>
 
+<file path=ppt/notesSlides/notesSlide1.xml><?xml version="1.0" encoding="utf-8"?>
+<p:notes xmlns:a="http://schemas.openxmlformats.org/drawingml/2006/main" xmlns:r="http://schemas.openxmlformats.org/officeDocument/2006/relationships" xmlns:p="http://schemas.openxmlformats.org/presentationml/2006/main">
+  <p:cSld>
+    <p:spTree>
+      <p:nvGrpSpPr>
+        <p:cNvPr id="1" name=""/>
+        <p:cNvGrpSpPr/>
+        <p:nvPr/>
+      </p:nvGrpSpPr>
+      <p:grpSpPr>
+        <a:xfrm>
+          <a:off x="0" y="0"/>
+          <a:ext cx="0" cy="0"/>
+          <a:chOff x="0" y="0"/>
+          <a:chExt cx="0" cy="0"/>
+        </a:xfrm>
+      </p:grpSpPr>
+      <p:sp>
+        <p:nvSpPr>
+          <p:cNvPr id="2" name="슬라이드 이미지 개체 틀 1"/>
+          <p:cNvSpPr>
+            <a:spLocks noGrp="1" noRot="1" noChangeAspect="1"/>
+          </p:cNvSpPr>
+          <p:nvPr>
+            <p:ph type="sldImg"/>
+          </p:nvPr>
+        </p:nvSpPr>
+        <p:spPr/>
+      </p:sp>
+      <p:sp>
+        <p:nvSpPr>
+          <p:cNvPr id="3" name="슬라이드 노트 개체 틀 2"/>
+          <p:cNvSpPr>
+            <a:spLocks noGrp="1"/>
+          </p:cNvSpPr>
+          <p:nvPr>
+            <p:ph type="body" idx="1"/>
+          </p:nvPr>
+        </p:nvSpPr>
+        <p:spPr/>
+        <p:txBody>
+          <a:bodyPr/>
+          <a:lstStyle/>
+          <a:p>
+            <a:endParaRPr lang="ko-KR" altLang="en-US" dirty="0"/>
+          </a:p>
+        </p:txBody>
+      </p:sp>
+      <p:sp>
+        <p:nvSpPr>
+          <p:cNvPr id="4" name="슬라이드 번호 개체 틀 3"/>
+          <p:cNvSpPr>
+            <a:spLocks noGrp="1"/>
+          </p:cNvSpPr>
+          <p:nvPr>
+            <p:ph type="sldNum" sz="quarter" idx="5"/>
+          </p:nvPr>
+        </p:nvSpPr>
+        <p:spPr/>
+        <p:txBody>
+          <a:bodyPr/>
+          <a:lstStyle/>
+          <a:p>
+            <a:fld id="{32930AFA-0278-472C-A8A0-5829CF1DD24F}" type="slidenum">
+              <a:rPr lang="ko-KR" altLang="en-US" smtClean="0"/>
+              <a:t>12</a:t>
+            </a:fld>
+            <a:endParaRPr lang="ko-KR" altLang="en-US"/>
+          </a:p>
+        </p:txBody>
+      </p:sp>
+    </p:spTree>
+    <p:extLst>
+      <p:ext uri="{BB962C8B-B14F-4D97-AF65-F5344CB8AC3E}">
+        <p14:creationId xmlns:p14="http://schemas.microsoft.com/office/powerpoint/2010/main" val="1758951067"/>
+      </p:ext>
+    </p:extLst>
+  </p:cSld>
+  <p:clrMapOvr>
+    <a:masterClrMapping/>
+  </p:clrMapOvr>
+</p:notes>
+</file>
+
 <file path=ppt/slideLayouts/slideLayout1.xml><?xml version="1.0" encoding="utf-8"?>
 <p:sldLayout xmlns:a="http://schemas.openxmlformats.org/drawingml/2006/main" xmlns:r="http://schemas.openxmlformats.org/officeDocument/2006/relationships" xmlns:p="http://schemas.openxmlformats.org/presentationml/2006/main" type="title" preserve="1">
   <p:cSld name="제목 슬라이드">
@@ -616,7 +710,7 @@
           <a:p>
             <a:fld id="{7DB28003-DF03-41C2-8C10-F247FE05167B}" type="datetimeFigureOut">
               <a:rPr lang="ko-KR" altLang="en-US" smtClean="0"/>
-              <a:t>2022-08-02</a:t>
+              <a:t>2022-08-18</a:t>
             </a:fld>
             <a:endParaRPr lang="ko-KR" altLang="en-US"/>
           </a:p>
@@ -924,7 +1018,7 @@
           <a:p>
             <a:fld id="{7DB28003-DF03-41C2-8C10-F247FE05167B}" type="datetimeFigureOut">
               <a:rPr lang="ko-KR" altLang="en-US" smtClean="0"/>
-              <a:t>2022-08-02</a:t>
+              <a:t>2022-08-18</a:t>
             </a:fld>
             <a:endParaRPr lang="ko-KR" altLang="en-US"/>
           </a:p>
@@ -1132,7 +1226,7 @@
           <a:p>
             <a:fld id="{7DB28003-DF03-41C2-8C10-F247FE05167B}" type="datetimeFigureOut">
               <a:rPr lang="ko-KR" altLang="en-US" smtClean="0"/>
-              <a:t>2022-08-02</a:t>
+              <a:t>2022-08-18</a:t>
             </a:fld>
             <a:endParaRPr lang="ko-KR" altLang="en-US"/>
           </a:p>
@@ -1330,7 +1424,7 @@
           <a:p>
             <a:fld id="{7DB28003-DF03-41C2-8C10-F247FE05167B}" type="datetimeFigureOut">
               <a:rPr lang="ko-KR" altLang="en-US" smtClean="0"/>
-              <a:t>2022-08-02</a:t>
+              <a:t>2022-08-18</a:t>
             </a:fld>
             <a:endParaRPr lang="ko-KR" altLang="en-US"/>
           </a:p>
@@ -1610,7 +1704,7 @@
           <a:p>
             <a:fld id="{7DB28003-DF03-41C2-8C10-F247FE05167B}" type="datetimeFigureOut">
               <a:rPr lang="ko-KR" altLang="en-US" smtClean="0"/>
-              <a:t>2022-08-02</a:t>
+              <a:t>2022-08-18</a:t>
             </a:fld>
             <a:endParaRPr lang="ko-KR" altLang="en-US"/>
           </a:p>
@@ -2066,7 +2160,7 @@
           <a:p>
             <a:fld id="{7DB28003-DF03-41C2-8C10-F247FE05167B}" type="datetimeFigureOut">
               <a:rPr lang="ko-KR" altLang="en-US" smtClean="0"/>
-              <a:t>2022-08-02</a:t>
+              <a:t>2022-08-18</a:t>
             </a:fld>
             <a:endParaRPr lang="ko-KR" altLang="en-US"/>
           </a:p>
@@ -2478,7 +2572,7 @@
           <a:p>
             <a:fld id="{7DB28003-DF03-41C2-8C10-F247FE05167B}" type="datetimeFigureOut">
               <a:rPr lang="ko-KR" altLang="en-US" smtClean="0"/>
-              <a:t>2022-08-02</a:t>
+              <a:t>2022-08-18</a:t>
             </a:fld>
             <a:endParaRPr lang="ko-KR" altLang="en-US"/>
           </a:p>
@@ -2688,7 +2782,7 @@
           <a:p>
             <a:fld id="{7DB28003-DF03-41C2-8C10-F247FE05167B}" type="datetimeFigureOut">
               <a:rPr lang="ko-KR" altLang="en-US" smtClean="0"/>
-              <a:t>2022-08-02</a:t>
+              <a:t>2022-08-18</a:t>
             </a:fld>
             <a:endParaRPr lang="ko-KR" altLang="en-US"/>
           </a:p>
@@ -2937,7 +3031,7 @@
           <a:p>
             <a:fld id="{7DB28003-DF03-41C2-8C10-F247FE05167B}" type="datetimeFigureOut">
               <a:rPr lang="ko-KR" altLang="en-US" smtClean="0"/>
-              <a:t>2022-08-02</a:t>
+              <a:t>2022-08-18</a:t>
             </a:fld>
             <a:endParaRPr lang="ko-KR" altLang="en-US"/>
           </a:p>
@@ -3248,7 +3342,7 @@
           <a:p>
             <a:fld id="{7DB28003-DF03-41C2-8C10-F247FE05167B}" type="datetimeFigureOut">
               <a:rPr lang="ko-KR" altLang="en-US" smtClean="0"/>
-              <a:t>2022-08-02</a:t>
+              <a:t>2022-08-18</a:t>
             </a:fld>
             <a:endParaRPr lang="ko-KR" altLang="en-US"/>
           </a:p>
@@ -3536,7 +3630,7 @@
           <a:p>
             <a:fld id="{7DB28003-DF03-41C2-8C10-F247FE05167B}" type="datetimeFigureOut">
               <a:rPr lang="ko-KR" altLang="en-US" smtClean="0"/>
-              <a:t>2022-08-02</a:t>
+              <a:t>2022-08-18</a:t>
             </a:fld>
             <a:endParaRPr lang="ko-KR" altLang="en-US"/>
           </a:p>
@@ -3777,7 +3871,7 @@
           <a:p>
             <a:fld id="{7DB28003-DF03-41C2-8C10-F247FE05167B}" type="datetimeFigureOut">
               <a:rPr lang="ko-KR" altLang="en-US" smtClean="0"/>
-              <a:t>2022-08-02</a:t>
+              <a:t>2022-08-18</a:t>
             </a:fld>
             <a:endParaRPr lang="ko-KR" altLang="en-US"/>
           </a:p>
@@ -4349,6 +4443,1186 @@
 </p:sld>
 </file>
 
+<file path=ppt/slides/slide10.xml><?xml version="1.0" encoding="utf-8"?>
+<p:sld xmlns:a="http://schemas.openxmlformats.org/drawingml/2006/main" xmlns:r="http://schemas.openxmlformats.org/officeDocument/2006/relationships" xmlns:p="http://schemas.openxmlformats.org/presentationml/2006/main">
+  <p:cSld>
+    <p:spTree>
+      <p:nvGrpSpPr>
+        <p:cNvPr id="1" name=""/>
+        <p:cNvGrpSpPr/>
+        <p:nvPr/>
+      </p:nvGrpSpPr>
+      <p:grpSpPr>
+        <a:xfrm>
+          <a:off x="0" y="0"/>
+          <a:ext cx="0" cy="0"/>
+          <a:chOff x="0" y="0"/>
+          <a:chExt cx="0" cy="0"/>
+        </a:xfrm>
+      </p:grpSpPr>
+      <p:sp>
+        <p:nvSpPr>
+          <p:cNvPr id="4" name="제목 3">
+            <a:extLst>
+              <a:ext uri="{FF2B5EF4-FFF2-40B4-BE49-F238E27FC236}">
+                <a16:creationId xmlns:a16="http://schemas.microsoft.com/office/drawing/2014/main" id="{637227A6-70F4-B4BC-5EAE-D470004FB81C}"/>
+              </a:ext>
+            </a:extLst>
+          </p:cNvPr>
+          <p:cNvSpPr>
+            <a:spLocks noGrp="1"/>
+          </p:cNvSpPr>
+          <p:nvPr>
+            <p:ph type="title"/>
+          </p:nvPr>
+        </p:nvSpPr>
+        <p:spPr/>
+        <p:txBody>
+          <a:bodyPr/>
+          <a:lstStyle/>
+          <a:p>
+            <a:r>
+              <a:rPr lang="en-US" altLang="ko-KR" dirty="0"/>
+              <a:t>GPT2Model</a:t>
+            </a:r>
+            <a:endParaRPr lang="ko-KR" altLang="en-US" dirty="0"/>
+          </a:p>
+        </p:txBody>
+      </p:sp>
+      <p:grpSp>
+        <p:nvGrpSpPr>
+          <p:cNvPr id="5" name="그룹 4">
+            <a:extLst>
+              <a:ext uri="{FF2B5EF4-FFF2-40B4-BE49-F238E27FC236}">
+                <a16:creationId xmlns:a16="http://schemas.microsoft.com/office/drawing/2014/main" id="{0E893834-E39F-970F-DABA-8B91433C4DE2}"/>
+              </a:ext>
+            </a:extLst>
+          </p:cNvPr>
+          <p:cNvGrpSpPr/>
+          <p:nvPr/>
+        </p:nvGrpSpPr>
+        <p:grpSpPr>
+          <a:xfrm>
+            <a:off x="90055" y="866774"/>
+            <a:ext cx="5910262" cy="3981451"/>
+            <a:chOff x="300037" y="895350"/>
+            <a:chExt cx="6981825" cy="4229100"/>
+          </a:xfrm>
+        </p:grpSpPr>
+        <p:pic>
+          <p:nvPicPr>
+            <p:cNvPr id="14" name="그림 13">
+              <a:extLst>
+                <a:ext uri="{FF2B5EF4-FFF2-40B4-BE49-F238E27FC236}">
+                  <a16:creationId xmlns:a16="http://schemas.microsoft.com/office/drawing/2014/main" id="{A1638F84-53FD-1860-25AD-357F00917527}"/>
+                </a:ext>
+              </a:extLst>
+            </p:cNvPr>
+            <p:cNvPicPr>
+              <a:picLocks noChangeAspect="1"/>
+            </p:cNvPicPr>
+            <p:nvPr/>
+          </p:nvPicPr>
+          <p:blipFill>
+            <a:blip r:embed="rId2"/>
+            <a:stretch>
+              <a:fillRect/>
+            </a:stretch>
+          </p:blipFill>
+          <p:spPr>
+            <a:xfrm>
+              <a:off x="300037" y="895350"/>
+              <a:ext cx="6981825" cy="209550"/>
+            </a:xfrm>
+            <a:prstGeom prst="rect">
+              <a:avLst/>
+            </a:prstGeom>
+          </p:spPr>
+        </p:pic>
+        <p:pic>
+          <p:nvPicPr>
+            <p:cNvPr id="3" name="그림 2">
+              <a:extLst>
+                <a:ext uri="{FF2B5EF4-FFF2-40B4-BE49-F238E27FC236}">
+                  <a16:creationId xmlns:a16="http://schemas.microsoft.com/office/drawing/2014/main" id="{EC67F15C-F2F2-5DDA-5260-3B763EB6F58C}"/>
+                </a:ext>
+              </a:extLst>
+            </p:cNvPr>
+            <p:cNvPicPr>
+              <a:picLocks noChangeAspect="1"/>
+            </p:cNvPicPr>
+            <p:nvPr/>
+          </p:nvPicPr>
+          <p:blipFill>
+            <a:blip r:embed="rId3"/>
+            <a:stretch>
+              <a:fillRect/>
+            </a:stretch>
+          </p:blipFill>
+          <p:spPr>
+            <a:xfrm>
+              <a:off x="300037" y="1104900"/>
+              <a:ext cx="6724650" cy="4019550"/>
+            </a:xfrm>
+            <a:prstGeom prst="rect">
+              <a:avLst/>
+            </a:prstGeom>
+          </p:spPr>
+        </p:pic>
+      </p:grpSp>
+      <p:pic>
+        <p:nvPicPr>
+          <p:cNvPr id="9" name="그림 8">
+            <a:extLst>
+              <a:ext uri="{FF2B5EF4-FFF2-40B4-BE49-F238E27FC236}">
+                <a16:creationId xmlns:a16="http://schemas.microsoft.com/office/drawing/2014/main" id="{09BB08A3-2E84-D6A0-91AA-BB6C30B1D74B}"/>
+              </a:ext>
+            </a:extLst>
+          </p:cNvPr>
+          <p:cNvPicPr>
+            <a:picLocks noChangeAspect="1"/>
+          </p:cNvPicPr>
+          <p:nvPr/>
+        </p:nvPicPr>
+        <p:blipFill>
+          <a:blip r:embed="rId4"/>
+          <a:stretch>
+            <a:fillRect/>
+          </a:stretch>
+        </p:blipFill>
+        <p:spPr>
+          <a:xfrm>
+            <a:off x="6096000" y="866775"/>
+            <a:ext cx="5810250" cy="3733800"/>
+          </a:xfrm>
+          <a:prstGeom prst="rect">
+            <a:avLst/>
+          </a:prstGeom>
+        </p:spPr>
+      </p:pic>
+    </p:spTree>
+    <p:extLst>
+      <p:ext uri="{BB962C8B-B14F-4D97-AF65-F5344CB8AC3E}">
+        <p14:creationId xmlns:p14="http://schemas.microsoft.com/office/powerpoint/2010/main" val="3932651983"/>
+      </p:ext>
+    </p:extLst>
+  </p:cSld>
+  <p:clrMapOvr>
+    <a:masterClrMapping/>
+  </p:clrMapOvr>
+</p:sld>
+</file>
+
+<file path=ppt/slides/slide11.xml><?xml version="1.0" encoding="utf-8"?>
+<p:sld xmlns:a="http://schemas.openxmlformats.org/drawingml/2006/main" xmlns:r="http://schemas.openxmlformats.org/officeDocument/2006/relationships" xmlns:p="http://schemas.openxmlformats.org/presentationml/2006/main">
+  <p:cSld>
+    <p:spTree>
+      <p:nvGrpSpPr>
+        <p:cNvPr id="1" name=""/>
+        <p:cNvGrpSpPr/>
+        <p:nvPr/>
+      </p:nvGrpSpPr>
+      <p:grpSpPr>
+        <a:xfrm>
+          <a:off x="0" y="0"/>
+          <a:ext cx="0" cy="0"/>
+          <a:chOff x="0" y="0"/>
+          <a:chExt cx="0" cy="0"/>
+        </a:xfrm>
+      </p:grpSpPr>
+      <p:sp>
+        <p:nvSpPr>
+          <p:cNvPr id="4" name="제목 3">
+            <a:extLst>
+              <a:ext uri="{FF2B5EF4-FFF2-40B4-BE49-F238E27FC236}">
+                <a16:creationId xmlns:a16="http://schemas.microsoft.com/office/drawing/2014/main" id="{637227A6-70F4-B4BC-5EAE-D470004FB81C}"/>
+              </a:ext>
+            </a:extLst>
+          </p:cNvPr>
+          <p:cNvSpPr>
+            <a:spLocks noGrp="1"/>
+          </p:cNvSpPr>
+          <p:nvPr>
+            <p:ph type="title"/>
+          </p:nvPr>
+        </p:nvSpPr>
+        <p:spPr/>
+        <p:txBody>
+          <a:bodyPr/>
+          <a:lstStyle/>
+          <a:p>
+            <a:r>
+              <a:rPr lang="en-US" altLang="ko-KR" dirty="0"/>
+              <a:t>GPT2Model</a:t>
+            </a:r>
+            <a:endParaRPr lang="ko-KR" altLang="en-US" dirty="0"/>
+          </a:p>
+        </p:txBody>
+      </p:sp>
+      <p:pic>
+        <p:nvPicPr>
+          <p:cNvPr id="14" name="그림 13">
+            <a:extLst>
+              <a:ext uri="{FF2B5EF4-FFF2-40B4-BE49-F238E27FC236}">
+                <a16:creationId xmlns:a16="http://schemas.microsoft.com/office/drawing/2014/main" id="{A1638F84-53FD-1860-25AD-357F00917527}"/>
+              </a:ext>
+            </a:extLst>
+          </p:cNvPr>
+          <p:cNvPicPr>
+            <a:picLocks noChangeAspect="1"/>
+          </p:cNvPicPr>
+          <p:nvPr/>
+        </p:nvPicPr>
+        <p:blipFill>
+          <a:blip r:embed="rId2"/>
+          <a:stretch>
+            <a:fillRect/>
+          </a:stretch>
+        </p:blipFill>
+        <p:spPr>
+          <a:xfrm>
+            <a:off x="90055" y="866775"/>
+            <a:ext cx="5910262" cy="194447"/>
+          </a:xfrm>
+          <a:prstGeom prst="rect">
+            <a:avLst/>
+          </a:prstGeom>
+        </p:spPr>
+      </p:pic>
+      <p:pic>
+        <p:nvPicPr>
+          <p:cNvPr id="6" name="그림 5">
+            <a:extLst>
+              <a:ext uri="{FF2B5EF4-FFF2-40B4-BE49-F238E27FC236}">
+                <a16:creationId xmlns:a16="http://schemas.microsoft.com/office/drawing/2014/main" id="{E347860C-01C3-AAEE-C148-06B6FC5BEECB}"/>
+              </a:ext>
+            </a:extLst>
+          </p:cNvPr>
+          <p:cNvPicPr>
+            <a:picLocks noChangeAspect="1"/>
+          </p:cNvPicPr>
+          <p:nvPr/>
+        </p:nvPicPr>
+        <p:blipFill>
+          <a:blip r:embed="rId3"/>
+          <a:stretch>
+            <a:fillRect/>
+          </a:stretch>
+        </p:blipFill>
+        <p:spPr>
+          <a:xfrm>
+            <a:off x="90056" y="1061222"/>
+            <a:ext cx="5910262" cy="4924425"/>
+          </a:xfrm>
+          <a:prstGeom prst="rect">
+            <a:avLst/>
+          </a:prstGeom>
+        </p:spPr>
+      </p:pic>
+      <p:pic>
+        <p:nvPicPr>
+          <p:cNvPr id="11" name="그림 10">
+            <a:extLst>
+              <a:ext uri="{FF2B5EF4-FFF2-40B4-BE49-F238E27FC236}">
+                <a16:creationId xmlns:a16="http://schemas.microsoft.com/office/drawing/2014/main" id="{102B1F78-37A8-9561-955E-88C7B5C0FEB7}"/>
+              </a:ext>
+            </a:extLst>
+          </p:cNvPr>
+          <p:cNvPicPr>
+            <a:picLocks noChangeAspect="1"/>
+          </p:cNvPicPr>
+          <p:nvPr/>
+        </p:nvPicPr>
+        <p:blipFill>
+          <a:blip r:embed="rId4"/>
+          <a:stretch>
+            <a:fillRect/>
+          </a:stretch>
+        </p:blipFill>
+        <p:spPr>
+          <a:xfrm>
+            <a:off x="6083353" y="866775"/>
+            <a:ext cx="6108647" cy="5415749"/>
+          </a:xfrm>
+          <a:prstGeom prst="rect">
+            <a:avLst/>
+          </a:prstGeom>
+        </p:spPr>
+      </p:pic>
+    </p:spTree>
+    <p:extLst>
+      <p:ext uri="{BB962C8B-B14F-4D97-AF65-F5344CB8AC3E}">
+        <p14:creationId xmlns:p14="http://schemas.microsoft.com/office/powerpoint/2010/main" val="1155788629"/>
+      </p:ext>
+    </p:extLst>
+  </p:cSld>
+  <p:clrMapOvr>
+    <a:masterClrMapping/>
+  </p:clrMapOvr>
+</p:sld>
+</file>
+
+<file path=ppt/slides/slide12.xml><?xml version="1.0" encoding="utf-8"?>
+<p:sld xmlns:a="http://schemas.openxmlformats.org/drawingml/2006/main" xmlns:r="http://schemas.openxmlformats.org/officeDocument/2006/relationships" xmlns:p="http://schemas.openxmlformats.org/presentationml/2006/main">
+  <p:cSld>
+    <p:spTree>
+      <p:nvGrpSpPr>
+        <p:cNvPr id="1" name=""/>
+        <p:cNvGrpSpPr/>
+        <p:nvPr/>
+      </p:nvGrpSpPr>
+      <p:grpSpPr>
+        <a:xfrm>
+          <a:off x="0" y="0"/>
+          <a:ext cx="0" cy="0"/>
+          <a:chOff x="0" y="0"/>
+          <a:chExt cx="0" cy="0"/>
+        </a:xfrm>
+      </p:grpSpPr>
+      <p:sp>
+        <p:nvSpPr>
+          <p:cNvPr id="4" name="제목 3">
+            <a:extLst>
+              <a:ext uri="{FF2B5EF4-FFF2-40B4-BE49-F238E27FC236}">
+                <a16:creationId xmlns:a16="http://schemas.microsoft.com/office/drawing/2014/main" id="{637227A6-70F4-B4BC-5EAE-D470004FB81C}"/>
+              </a:ext>
+            </a:extLst>
+          </p:cNvPr>
+          <p:cNvSpPr>
+            <a:spLocks noGrp="1"/>
+          </p:cNvSpPr>
+          <p:nvPr>
+            <p:ph type="title"/>
+          </p:nvPr>
+        </p:nvSpPr>
+        <p:spPr/>
+        <p:txBody>
+          <a:bodyPr/>
+          <a:lstStyle/>
+          <a:p>
+            <a:r>
+              <a:rPr lang="en-US" altLang="ko-KR" dirty="0"/>
+              <a:t>GPT2Model</a:t>
+            </a:r>
+            <a:endParaRPr lang="ko-KR" altLang="en-US" dirty="0"/>
+          </a:p>
+        </p:txBody>
+      </p:sp>
+      <p:grpSp>
+        <p:nvGrpSpPr>
+          <p:cNvPr id="18" name="그룹 17">
+            <a:extLst>
+              <a:ext uri="{FF2B5EF4-FFF2-40B4-BE49-F238E27FC236}">
+                <a16:creationId xmlns:a16="http://schemas.microsoft.com/office/drawing/2014/main" id="{24B642F4-5676-4263-7CA0-803E3AADCE80}"/>
+              </a:ext>
+            </a:extLst>
+          </p:cNvPr>
+          <p:cNvGrpSpPr/>
+          <p:nvPr/>
+        </p:nvGrpSpPr>
+        <p:grpSpPr>
+          <a:xfrm>
+            <a:off x="90055" y="866775"/>
+            <a:ext cx="6670061" cy="5421320"/>
+            <a:chOff x="90055" y="866775"/>
+            <a:chExt cx="6670061" cy="5421320"/>
+          </a:xfrm>
+        </p:grpSpPr>
+        <p:pic>
+          <p:nvPicPr>
+            <p:cNvPr id="14" name="그림 13">
+              <a:extLst>
+                <a:ext uri="{FF2B5EF4-FFF2-40B4-BE49-F238E27FC236}">
+                  <a16:creationId xmlns:a16="http://schemas.microsoft.com/office/drawing/2014/main" id="{A1638F84-53FD-1860-25AD-357F00917527}"/>
+                </a:ext>
+              </a:extLst>
+            </p:cNvPr>
+            <p:cNvPicPr>
+              <a:picLocks noChangeAspect="1"/>
+            </p:cNvPicPr>
+            <p:nvPr/>
+          </p:nvPicPr>
+          <p:blipFill>
+            <a:blip r:embed="rId3"/>
+            <a:stretch>
+              <a:fillRect/>
+            </a:stretch>
+          </p:blipFill>
+          <p:spPr>
+            <a:xfrm>
+              <a:off x="90055" y="866775"/>
+              <a:ext cx="5910262" cy="194447"/>
+            </a:xfrm>
+            <a:prstGeom prst="rect">
+              <a:avLst/>
+            </a:prstGeom>
+          </p:spPr>
+        </p:pic>
+        <p:pic>
+          <p:nvPicPr>
+            <p:cNvPr id="7" name="그림 6">
+              <a:extLst>
+                <a:ext uri="{FF2B5EF4-FFF2-40B4-BE49-F238E27FC236}">
+                  <a16:creationId xmlns:a16="http://schemas.microsoft.com/office/drawing/2014/main" id="{949C1B74-3248-B2AE-4C25-6987A53813D9}"/>
+                </a:ext>
+              </a:extLst>
+            </p:cNvPr>
+            <p:cNvPicPr>
+              <a:picLocks noChangeAspect="1"/>
+            </p:cNvPicPr>
+            <p:nvPr/>
+          </p:nvPicPr>
+          <p:blipFill>
+            <a:blip r:embed="rId4"/>
+            <a:stretch>
+              <a:fillRect/>
+            </a:stretch>
+          </p:blipFill>
+          <p:spPr>
+            <a:xfrm>
+              <a:off x="90055" y="1061222"/>
+              <a:ext cx="5910262" cy="3198227"/>
+            </a:xfrm>
+            <a:prstGeom prst="rect">
+              <a:avLst/>
+            </a:prstGeom>
+          </p:spPr>
+        </p:pic>
+        <p:pic>
+          <p:nvPicPr>
+            <p:cNvPr id="9" name="그림 8">
+              <a:extLst>
+                <a:ext uri="{FF2B5EF4-FFF2-40B4-BE49-F238E27FC236}">
+                  <a16:creationId xmlns:a16="http://schemas.microsoft.com/office/drawing/2014/main" id="{2D7EFAB8-7A07-5A76-E1DC-215C351B93A6}"/>
+                </a:ext>
+              </a:extLst>
+            </p:cNvPr>
+            <p:cNvPicPr>
+              <a:picLocks noChangeAspect="1"/>
+            </p:cNvPicPr>
+            <p:nvPr/>
+          </p:nvPicPr>
+          <p:blipFill rotWithShape="1">
+            <a:blip r:embed="rId5"/>
+            <a:srcRect l="4019" t="-74"/>
+            <a:stretch/>
+          </p:blipFill>
+          <p:spPr>
+            <a:xfrm>
+              <a:off x="266699" y="4259449"/>
+              <a:ext cx="6493417" cy="194447"/>
+            </a:xfrm>
+            <a:prstGeom prst="rect">
+              <a:avLst/>
+            </a:prstGeom>
+          </p:spPr>
+        </p:pic>
+        <p:pic>
+          <p:nvPicPr>
+            <p:cNvPr id="12" name="그림 11">
+              <a:extLst>
+                <a:ext uri="{FF2B5EF4-FFF2-40B4-BE49-F238E27FC236}">
+                  <a16:creationId xmlns:a16="http://schemas.microsoft.com/office/drawing/2014/main" id="{081D212C-DBC7-1EBE-DB56-485F6FFAA16B}"/>
+                </a:ext>
+              </a:extLst>
+            </p:cNvPr>
+            <p:cNvPicPr>
+              <a:picLocks noChangeAspect="1"/>
+            </p:cNvPicPr>
+            <p:nvPr/>
+          </p:nvPicPr>
+          <p:blipFill>
+            <a:blip r:embed="rId6"/>
+            <a:stretch>
+              <a:fillRect/>
+            </a:stretch>
+          </p:blipFill>
+          <p:spPr>
+            <a:xfrm>
+              <a:off x="716324" y="4415796"/>
+              <a:ext cx="4303352" cy="353582"/>
+            </a:xfrm>
+            <a:prstGeom prst="rect">
+              <a:avLst/>
+            </a:prstGeom>
+          </p:spPr>
+        </p:pic>
+        <p:pic>
+          <p:nvPicPr>
+            <p:cNvPr id="15" name="그림 14">
+              <a:extLst>
+                <a:ext uri="{FF2B5EF4-FFF2-40B4-BE49-F238E27FC236}">
+                  <a16:creationId xmlns:a16="http://schemas.microsoft.com/office/drawing/2014/main" id="{D3330A23-0005-F45F-FC23-469C37DC19E1}"/>
+                </a:ext>
+              </a:extLst>
+            </p:cNvPr>
+            <p:cNvPicPr>
+              <a:picLocks noChangeAspect="1"/>
+            </p:cNvPicPr>
+            <p:nvPr/>
+          </p:nvPicPr>
+          <p:blipFill>
+            <a:blip r:embed="rId7"/>
+            <a:stretch>
+              <a:fillRect/>
+            </a:stretch>
+          </p:blipFill>
+          <p:spPr>
+            <a:xfrm>
+              <a:off x="430573" y="4725995"/>
+              <a:ext cx="5191125" cy="1562100"/>
+            </a:xfrm>
+            <a:prstGeom prst="rect">
+              <a:avLst/>
+            </a:prstGeom>
+          </p:spPr>
+        </p:pic>
+      </p:grpSp>
+      <p:pic>
+        <p:nvPicPr>
+          <p:cNvPr id="17" name="그림 16">
+            <a:extLst>
+              <a:ext uri="{FF2B5EF4-FFF2-40B4-BE49-F238E27FC236}">
+                <a16:creationId xmlns:a16="http://schemas.microsoft.com/office/drawing/2014/main" id="{028AF579-EBF3-6E58-A676-0124E85B37B3}"/>
+              </a:ext>
+            </a:extLst>
+          </p:cNvPr>
+          <p:cNvPicPr>
+            <a:picLocks noChangeAspect="1"/>
+          </p:cNvPicPr>
+          <p:nvPr/>
+        </p:nvPicPr>
+        <p:blipFill>
+          <a:blip r:embed="rId8"/>
+          <a:stretch>
+            <a:fillRect/>
+          </a:stretch>
+        </p:blipFill>
+        <p:spPr>
+          <a:xfrm>
+            <a:off x="6286068" y="765947"/>
+            <a:ext cx="5041881" cy="5720578"/>
+          </a:xfrm>
+          <a:prstGeom prst="rect">
+            <a:avLst/>
+          </a:prstGeom>
+        </p:spPr>
+      </p:pic>
+    </p:spTree>
+    <p:extLst>
+      <p:ext uri="{BB962C8B-B14F-4D97-AF65-F5344CB8AC3E}">
+        <p14:creationId xmlns:p14="http://schemas.microsoft.com/office/powerpoint/2010/main" val="1849964684"/>
+      </p:ext>
+    </p:extLst>
+  </p:cSld>
+  <p:clrMapOvr>
+    <a:masterClrMapping/>
+  </p:clrMapOvr>
+</p:sld>
+</file>
+
+<file path=ppt/slides/slide13.xml><?xml version="1.0" encoding="utf-8"?>
+<p:sld xmlns:a="http://schemas.openxmlformats.org/drawingml/2006/main" xmlns:r="http://schemas.openxmlformats.org/officeDocument/2006/relationships" xmlns:p="http://schemas.openxmlformats.org/presentationml/2006/main">
+  <p:cSld>
+    <p:spTree>
+      <p:nvGrpSpPr>
+        <p:cNvPr id="1" name=""/>
+        <p:cNvGrpSpPr/>
+        <p:nvPr/>
+      </p:nvGrpSpPr>
+      <p:grpSpPr>
+        <a:xfrm>
+          <a:off x="0" y="0"/>
+          <a:ext cx="0" cy="0"/>
+          <a:chOff x="0" y="0"/>
+          <a:chExt cx="0" cy="0"/>
+        </a:xfrm>
+      </p:grpSpPr>
+      <p:sp>
+        <p:nvSpPr>
+          <p:cNvPr id="2" name="제목 1">
+            <a:extLst>
+              <a:ext uri="{FF2B5EF4-FFF2-40B4-BE49-F238E27FC236}">
+                <a16:creationId xmlns:a16="http://schemas.microsoft.com/office/drawing/2014/main" id="{57A50CAC-A83A-7E99-FC88-DCE0586FEBB0}"/>
+              </a:ext>
+            </a:extLst>
+          </p:cNvPr>
+          <p:cNvSpPr>
+            <a:spLocks noGrp="1"/>
+          </p:cNvSpPr>
+          <p:nvPr>
+            <p:ph type="title"/>
+          </p:nvPr>
+        </p:nvSpPr>
+        <p:spPr/>
+        <p:txBody>
+          <a:bodyPr/>
+          <a:lstStyle/>
+          <a:p>
+            <a:r>
+              <a:rPr lang="en-US" altLang="ko-KR" dirty="0"/>
+              <a:t>GPT2Model</a:t>
+            </a:r>
+            <a:endParaRPr lang="ko-KR" altLang="en-US" dirty="0"/>
+          </a:p>
+        </p:txBody>
+      </p:sp>
+      <p:pic>
+        <p:nvPicPr>
+          <p:cNvPr id="3" name="그림 2">
+            <a:extLst>
+              <a:ext uri="{FF2B5EF4-FFF2-40B4-BE49-F238E27FC236}">
+                <a16:creationId xmlns:a16="http://schemas.microsoft.com/office/drawing/2014/main" id="{67471320-39CA-8FE6-E765-8E72E5690FF9}"/>
+              </a:ext>
+            </a:extLst>
+          </p:cNvPr>
+          <p:cNvPicPr>
+            <a:picLocks noChangeAspect="1"/>
+          </p:cNvPicPr>
+          <p:nvPr/>
+        </p:nvPicPr>
+        <p:blipFill>
+          <a:blip r:embed="rId2"/>
+          <a:stretch>
+            <a:fillRect/>
+          </a:stretch>
+        </p:blipFill>
+        <p:spPr>
+          <a:xfrm>
+            <a:off x="90055" y="866775"/>
+            <a:ext cx="5910262" cy="194447"/>
+          </a:xfrm>
+          <a:prstGeom prst="rect">
+            <a:avLst/>
+          </a:prstGeom>
+        </p:spPr>
+      </p:pic>
+      <p:pic>
+        <p:nvPicPr>
+          <p:cNvPr id="5" name="그림 4">
+            <a:extLst>
+              <a:ext uri="{FF2B5EF4-FFF2-40B4-BE49-F238E27FC236}">
+                <a16:creationId xmlns:a16="http://schemas.microsoft.com/office/drawing/2014/main" id="{B29EB366-7C89-6BAF-0655-D07FCC74E9A2}"/>
+              </a:ext>
+            </a:extLst>
+          </p:cNvPr>
+          <p:cNvPicPr>
+            <a:picLocks noChangeAspect="1"/>
+          </p:cNvPicPr>
+          <p:nvPr/>
+        </p:nvPicPr>
+        <p:blipFill>
+          <a:blip r:embed="rId3"/>
+          <a:stretch>
+            <a:fillRect/>
+          </a:stretch>
+        </p:blipFill>
+        <p:spPr>
+          <a:xfrm>
+            <a:off x="90055" y="1056527"/>
+            <a:ext cx="4874773" cy="5372848"/>
+          </a:xfrm>
+          <a:prstGeom prst="rect">
+            <a:avLst/>
+          </a:prstGeom>
+        </p:spPr>
+      </p:pic>
+      <p:grpSp>
+        <p:nvGrpSpPr>
+          <p:cNvPr id="11" name="그룹 10">
+            <a:extLst>
+              <a:ext uri="{FF2B5EF4-FFF2-40B4-BE49-F238E27FC236}">
+                <a16:creationId xmlns:a16="http://schemas.microsoft.com/office/drawing/2014/main" id="{89DE0FF6-BB9F-3F6A-E6CB-37A5E031BC3F}"/>
+              </a:ext>
+            </a:extLst>
+          </p:cNvPr>
+          <p:cNvGrpSpPr/>
+          <p:nvPr/>
+        </p:nvGrpSpPr>
+        <p:grpSpPr>
+          <a:xfrm>
+            <a:off x="4795837" y="1152525"/>
+            <a:ext cx="7191375" cy="4838700"/>
+            <a:chOff x="4510087" y="1152525"/>
+            <a:chExt cx="7191375" cy="4838700"/>
+          </a:xfrm>
+        </p:grpSpPr>
+        <p:pic>
+          <p:nvPicPr>
+            <p:cNvPr id="7" name="그림 6">
+              <a:extLst>
+                <a:ext uri="{FF2B5EF4-FFF2-40B4-BE49-F238E27FC236}">
+                  <a16:creationId xmlns:a16="http://schemas.microsoft.com/office/drawing/2014/main" id="{CC2CCCBA-6FF6-E15D-9064-FD5B44BE7EC2}"/>
+                </a:ext>
+              </a:extLst>
+            </p:cNvPr>
+            <p:cNvPicPr>
+              <a:picLocks noChangeAspect="1"/>
+            </p:cNvPicPr>
+            <p:nvPr/>
+          </p:nvPicPr>
+          <p:blipFill>
+            <a:blip r:embed="rId4"/>
+            <a:stretch>
+              <a:fillRect/>
+            </a:stretch>
+          </p:blipFill>
+          <p:spPr>
+            <a:xfrm>
+              <a:off x="5384086" y="1152525"/>
+              <a:ext cx="4238625" cy="771525"/>
+            </a:xfrm>
+            <a:prstGeom prst="rect">
+              <a:avLst/>
+            </a:prstGeom>
+          </p:spPr>
+        </p:pic>
+        <p:pic>
+          <p:nvPicPr>
+            <p:cNvPr id="10" name="그림 9">
+              <a:extLst>
+                <a:ext uri="{FF2B5EF4-FFF2-40B4-BE49-F238E27FC236}">
+                  <a16:creationId xmlns:a16="http://schemas.microsoft.com/office/drawing/2014/main" id="{1C0B2E18-7A0E-803C-ADC5-0CFCE9403E6C}"/>
+                </a:ext>
+              </a:extLst>
+            </p:cNvPr>
+            <p:cNvPicPr>
+              <a:picLocks noChangeAspect="1"/>
+            </p:cNvPicPr>
+            <p:nvPr/>
+          </p:nvPicPr>
+          <p:blipFill>
+            <a:blip r:embed="rId5"/>
+            <a:stretch>
+              <a:fillRect/>
+            </a:stretch>
+          </p:blipFill>
+          <p:spPr>
+            <a:xfrm>
+              <a:off x="4510087" y="1924050"/>
+              <a:ext cx="7191375" cy="4067175"/>
+            </a:xfrm>
+            <a:prstGeom prst="rect">
+              <a:avLst/>
+            </a:prstGeom>
+          </p:spPr>
+        </p:pic>
+      </p:grpSp>
+    </p:spTree>
+    <p:extLst>
+      <p:ext uri="{BB962C8B-B14F-4D97-AF65-F5344CB8AC3E}">
+        <p14:creationId xmlns:p14="http://schemas.microsoft.com/office/powerpoint/2010/main" val="4067789357"/>
+      </p:ext>
+    </p:extLst>
+  </p:cSld>
+  <p:clrMapOvr>
+    <a:masterClrMapping/>
+  </p:clrMapOvr>
+</p:sld>
+</file>
+
+<file path=ppt/slides/slide14.xml><?xml version="1.0" encoding="utf-8"?>
+<p:sld xmlns:a="http://schemas.openxmlformats.org/drawingml/2006/main" xmlns:r="http://schemas.openxmlformats.org/officeDocument/2006/relationships" xmlns:p="http://schemas.openxmlformats.org/presentationml/2006/main">
+  <p:cSld>
+    <p:spTree>
+      <p:nvGrpSpPr>
+        <p:cNvPr id="1" name=""/>
+        <p:cNvGrpSpPr/>
+        <p:nvPr/>
+      </p:nvGrpSpPr>
+      <p:grpSpPr>
+        <a:xfrm>
+          <a:off x="0" y="0"/>
+          <a:ext cx="0" cy="0"/>
+          <a:chOff x="0" y="0"/>
+          <a:chExt cx="0" cy="0"/>
+        </a:xfrm>
+      </p:grpSpPr>
+      <p:sp>
+        <p:nvSpPr>
+          <p:cNvPr id="2" name="제목 1">
+            <a:extLst>
+              <a:ext uri="{FF2B5EF4-FFF2-40B4-BE49-F238E27FC236}">
+                <a16:creationId xmlns:a16="http://schemas.microsoft.com/office/drawing/2014/main" id="{57A50CAC-A83A-7E99-FC88-DCE0586FEBB0}"/>
+              </a:ext>
+            </a:extLst>
+          </p:cNvPr>
+          <p:cNvSpPr>
+            <a:spLocks noGrp="1"/>
+          </p:cNvSpPr>
+          <p:nvPr>
+            <p:ph type="title"/>
+          </p:nvPr>
+        </p:nvSpPr>
+        <p:spPr/>
+        <p:txBody>
+          <a:bodyPr/>
+          <a:lstStyle/>
+          <a:p>
+            <a:r>
+              <a:rPr lang="en-US" altLang="ko-KR" dirty="0"/>
+              <a:t>GPT2Model</a:t>
+            </a:r>
+            <a:endParaRPr lang="ko-KR" altLang="en-US" dirty="0"/>
+          </a:p>
+        </p:txBody>
+      </p:sp>
+      <p:pic>
+        <p:nvPicPr>
+          <p:cNvPr id="3" name="그림 2">
+            <a:extLst>
+              <a:ext uri="{FF2B5EF4-FFF2-40B4-BE49-F238E27FC236}">
+                <a16:creationId xmlns:a16="http://schemas.microsoft.com/office/drawing/2014/main" id="{67471320-39CA-8FE6-E765-8E72E5690FF9}"/>
+              </a:ext>
+            </a:extLst>
+          </p:cNvPr>
+          <p:cNvPicPr>
+            <a:picLocks noChangeAspect="1"/>
+          </p:cNvPicPr>
+          <p:nvPr/>
+        </p:nvPicPr>
+        <p:blipFill>
+          <a:blip r:embed="rId2"/>
+          <a:stretch>
+            <a:fillRect/>
+          </a:stretch>
+        </p:blipFill>
+        <p:spPr>
+          <a:xfrm>
+            <a:off x="90055" y="866775"/>
+            <a:ext cx="5910262" cy="194447"/>
+          </a:xfrm>
+          <a:prstGeom prst="rect">
+            <a:avLst/>
+          </a:prstGeom>
+        </p:spPr>
+      </p:pic>
+      <p:pic>
+        <p:nvPicPr>
+          <p:cNvPr id="5" name="그림 4">
+            <a:extLst>
+              <a:ext uri="{FF2B5EF4-FFF2-40B4-BE49-F238E27FC236}">
+                <a16:creationId xmlns:a16="http://schemas.microsoft.com/office/drawing/2014/main" id="{B29EB366-7C89-6BAF-0655-D07FCC74E9A2}"/>
+              </a:ext>
+            </a:extLst>
+          </p:cNvPr>
+          <p:cNvPicPr>
+            <a:picLocks noChangeAspect="1"/>
+          </p:cNvPicPr>
+          <p:nvPr/>
+        </p:nvPicPr>
+        <p:blipFill>
+          <a:blip r:embed="rId3"/>
+          <a:stretch>
+            <a:fillRect/>
+          </a:stretch>
+        </p:blipFill>
+        <p:spPr>
+          <a:xfrm>
+            <a:off x="90055" y="1056527"/>
+            <a:ext cx="4874773" cy="5372848"/>
+          </a:xfrm>
+          <a:prstGeom prst="rect">
+            <a:avLst/>
+          </a:prstGeom>
+        </p:spPr>
+      </p:pic>
+      <p:grpSp>
+        <p:nvGrpSpPr>
+          <p:cNvPr id="11" name="그룹 10">
+            <a:extLst>
+              <a:ext uri="{FF2B5EF4-FFF2-40B4-BE49-F238E27FC236}">
+                <a16:creationId xmlns:a16="http://schemas.microsoft.com/office/drawing/2014/main" id="{89DE0FF6-BB9F-3F6A-E6CB-37A5E031BC3F}"/>
+              </a:ext>
+            </a:extLst>
+          </p:cNvPr>
+          <p:cNvGrpSpPr/>
+          <p:nvPr/>
+        </p:nvGrpSpPr>
+        <p:grpSpPr>
+          <a:xfrm>
+            <a:off x="4795837" y="1152525"/>
+            <a:ext cx="7191375" cy="4838700"/>
+            <a:chOff x="4510087" y="1152525"/>
+            <a:chExt cx="7191375" cy="4838700"/>
+          </a:xfrm>
+        </p:grpSpPr>
+        <p:pic>
+          <p:nvPicPr>
+            <p:cNvPr id="7" name="그림 6">
+              <a:extLst>
+                <a:ext uri="{FF2B5EF4-FFF2-40B4-BE49-F238E27FC236}">
+                  <a16:creationId xmlns:a16="http://schemas.microsoft.com/office/drawing/2014/main" id="{CC2CCCBA-6FF6-E15D-9064-FD5B44BE7EC2}"/>
+                </a:ext>
+              </a:extLst>
+            </p:cNvPr>
+            <p:cNvPicPr>
+              <a:picLocks noChangeAspect="1"/>
+            </p:cNvPicPr>
+            <p:nvPr/>
+          </p:nvPicPr>
+          <p:blipFill>
+            <a:blip r:embed="rId4"/>
+            <a:stretch>
+              <a:fillRect/>
+            </a:stretch>
+          </p:blipFill>
+          <p:spPr>
+            <a:xfrm>
+              <a:off x="5384086" y="1152525"/>
+              <a:ext cx="4238625" cy="771525"/>
+            </a:xfrm>
+            <a:prstGeom prst="rect">
+              <a:avLst/>
+            </a:prstGeom>
+          </p:spPr>
+        </p:pic>
+        <p:pic>
+          <p:nvPicPr>
+            <p:cNvPr id="10" name="그림 9">
+              <a:extLst>
+                <a:ext uri="{FF2B5EF4-FFF2-40B4-BE49-F238E27FC236}">
+                  <a16:creationId xmlns:a16="http://schemas.microsoft.com/office/drawing/2014/main" id="{1C0B2E18-7A0E-803C-ADC5-0CFCE9403E6C}"/>
+                </a:ext>
+              </a:extLst>
+            </p:cNvPr>
+            <p:cNvPicPr>
+              <a:picLocks noChangeAspect="1"/>
+            </p:cNvPicPr>
+            <p:nvPr/>
+          </p:nvPicPr>
+          <p:blipFill>
+            <a:blip r:embed="rId5"/>
+            <a:stretch>
+              <a:fillRect/>
+            </a:stretch>
+          </p:blipFill>
+          <p:spPr>
+            <a:xfrm>
+              <a:off x="4510087" y="1924050"/>
+              <a:ext cx="7191375" cy="4067175"/>
+            </a:xfrm>
+            <a:prstGeom prst="rect">
+              <a:avLst/>
+            </a:prstGeom>
+          </p:spPr>
+        </p:pic>
+      </p:grpSp>
+    </p:spTree>
+    <p:extLst>
+      <p:ext uri="{BB962C8B-B14F-4D97-AF65-F5344CB8AC3E}">
+        <p14:creationId xmlns:p14="http://schemas.microsoft.com/office/powerpoint/2010/main" val="3542387244"/>
+      </p:ext>
+    </p:extLst>
+  </p:cSld>
+  <p:clrMapOvr>
+    <a:masterClrMapping/>
+  </p:clrMapOvr>
+</p:sld>
+</file>
+
+<file path=ppt/slides/slide15.xml><?xml version="1.0" encoding="utf-8"?>
+<p:sld xmlns:a="http://schemas.openxmlformats.org/drawingml/2006/main" xmlns:r="http://schemas.openxmlformats.org/officeDocument/2006/relationships" xmlns:p="http://schemas.openxmlformats.org/presentationml/2006/main">
+  <p:cSld>
+    <p:spTree>
+      <p:nvGrpSpPr>
+        <p:cNvPr id="1" name=""/>
+        <p:cNvGrpSpPr/>
+        <p:nvPr/>
+      </p:nvGrpSpPr>
+      <p:grpSpPr>
+        <a:xfrm>
+          <a:off x="0" y="0"/>
+          <a:ext cx="0" cy="0"/>
+          <a:chOff x="0" y="0"/>
+          <a:chExt cx="0" cy="0"/>
+        </a:xfrm>
+      </p:grpSpPr>
+      <p:sp>
+        <p:nvSpPr>
+          <p:cNvPr id="2" name="제목 1">
+            <a:extLst>
+              <a:ext uri="{FF2B5EF4-FFF2-40B4-BE49-F238E27FC236}">
+                <a16:creationId xmlns:a16="http://schemas.microsoft.com/office/drawing/2014/main" id="{B273EE2E-3631-3A2B-0DBB-1021EAC040D6}"/>
+              </a:ext>
+            </a:extLst>
+          </p:cNvPr>
+          <p:cNvSpPr>
+            <a:spLocks noGrp="1"/>
+          </p:cNvSpPr>
+          <p:nvPr>
+            <p:ph type="title"/>
+          </p:nvPr>
+        </p:nvSpPr>
+        <p:spPr/>
+        <p:txBody>
+          <a:bodyPr/>
+          <a:lstStyle/>
+          <a:p>
+            <a:r>
+              <a:rPr lang="en-US" altLang="ko-KR" dirty="0"/>
+              <a:t>Measuring the Quality</a:t>
+            </a:r>
+            <a:endParaRPr lang="ko-KR" altLang="en-US" dirty="0"/>
+          </a:p>
+        </p:txBody>
+      </p:sp>
+      <p:sp>
+        <p:nvSpPr>
+          <p:cNvPr id="3" name="텍스트 개체 틀 2">
+            <a:extLst>
+              <a:ext uri="{FF2B5EF4-FFF2-40B4-BE49-F238E27FC236}">
+                <a16:creationId xmlns:a16="http://schemas.microsoft.com/office/drawing/2014/main" id="{9BA68E69-61C3-805C-A3F7-3DA6C55AF6DC}"/>
+              </a:ext>
+            </a:extLst>
+          </p:cNvPr>
+          <p:cNvSpPr>
+            <a:spLocks noGrp="1"/>
+          </p:cNvSpPr>
+          <p:nvPr>
+            <p:ph type="body" idx="1"/>
+          </p:nvPr>
+        </p:nvSpPr>
+        <p:spPr/>
+        <p:txBody>
+          <a:bodyPr/>
+          <a:lstStyle/>
+          <a:p>
+            <a:r>
+              <a:rPr lang="en-US" altLang="ko-KR" dirty="0"/>
+              <a:t>Measurement Indicators</a:t>
+            </a:r>
+            <a:endParaRPr lang="ko-KR" altLang="en-US" dirty="0"/>
+          </a:p>
+        </p:txBody>
+      </p:sp>
+    </p:spTree>
+    <p:extLst>
+      <p:ext uri="{BB962C8B-B14F-4D97-AF65-F5344CB8AC3E}">
+        <p14:creationId xmlns:p14="http://schemas.microsoft.com/office/powerpoint/2010/main" val="3651245190"/>
+      </p:ext>
+    </p:extLst>
+  </p:cSld>
+  <p:clrMapOvr>
+    <a:masterClrMapping/>
+  </p:clrMapOvr>
+</p:sld>
+</file>
+
+<file path=ppt/slides/slide16.xml><?xml version="1.0" encoding="utf-8"?>
+<p:sld xmlns:a="http://schemas.openxmlformats.org/drawingml/2006/main" xmlns:r="http://schemas.openxmlformats.org/officeDocument/2006/relationships" xmlns:p="http://schemas.openxmlformats.org/presentationml/2006/main">
+  <p:cSld>
+    <p:spTree>
+      <p:nvGrpSpPr>
+        <p:cNvPr id="1" name=""/>
+        <p:cNvGrpSpPr/>
+        <p:nvPr/>
+      </p:nvGrpSpPr>
+      <p:grpSpPr>
+        <a:xfrm>
+          <a:off x="0" y="0"/>
+          <a:ext cx="0" cy="0"/>
+          <a:chOff x="0" y="0"/>
+          <a:chExt cx="0" cy="0"/>
+        </a:xfrm>
+      </p:grpSpPr>
+      <p:sp>
+        <p:nvSpPr>
+          <p:cNvPr id="2" name="제목 1">
+            <a:extLst>
+              <a:ext uri="{FF2B5EF4-FFF2-40B4-BE49-F238E27FC236}">
+                <a16:creationId xmlns:a16="http://schemas.microsoft.com/office/drawing/2014/main" id="{ECEDA92B-C60A-9301-9CDD-70BE08FB7E75}"/>
+              </a:ext>
+            </a:extLst>
+          </p:cNvPr>
+          <p:cNvSpPr>
+            <a:spLocks noGrp="1"/>
+          </p:cNvSpPr>
+          <p:nvPr>
+            <p:ph type="title"/>
+          </p:nvPr>
+        </p:nvSpPr>
+        <p:spPr/>
+        <p:txBody>
+          <a:bodyPr>
+            <a:normAutofit/>
+          </a:bodyPr>
+          <a:lstStyle/>
+          <a:p>
+            <a:r>
+              <a:rPr lang="en-US" altLang="ko-KR" sz="5400" dirty="0"/>
+              <a:t>Training</a:t>
+            </a:r>
+            <a:r>
+              <a:rPr lang="ko-KR" altLang="en-US" sz="5400" dirty="0"/>
+              <a:t> </a:t>
+            </a:r>
+            <a:r>
+              <a:rPr lang="en-US" altLang="ko-KR" sz="5400" dirty="0"/>
+              <a:t>a</a:t>
+            </a:r>
+            <a:r>
+              <a:rPr lang="ko-KR" altLang="en-US" sz="5400" dirty="0"/>
+              <a:t> </a:t>
+            </a:r>
+            <a:r>
+              <a:rPr lang="en-US" altLang="ko-KR" sz="5400" dirty="0"/>
+              <a:t>Summarization</a:t>
+            </a:r>
+            <a:r>
+              <a:rPr lang="ko-KR" altLang="en-US" sz="5400" dirty="0"/>
+              <a:t> </a:t>
+            </a:r>
+            <a:r>
+              <a:rPr lang="en-US" altLang="ko-KR" sz="5400" dirty="0"/>
+              <a:t>Model</a:t>
+            </a:r>
+            <a:endParaRPr lang="ko-KR" altLang="en-US" sz="5400" dirty="0"/>
+          </a:p>
+        </p:txBody>
+      </p:sp>
+      <p:sp>
+        <p:nvSpPr>
+          <p:cNvPr id="3" name="텍스트 개체 틀 2">
+            <a:extLst>
+              <a:ext uri="{FF2B5EF4-FFF2-40B4-BE49-F238E27FC236}">
+                <a16:creationId xmlns:a16="http://schemas.microsoft.com/office/drawing/2014/main" id="{5C44E3B6-8575-2AC3-6343-437A6A9E31B1}"/>
+              </a:ext>
+            </a:extLst>
+          </p:cNvPr>
+          <p:cNvSpPr>
+            <a:spLocks noGrp="1"/>
+          </p:cNvSpPr>
+          <p:nvPr>
+            <p:ph type="body" idx="1"/>
+          </p:nvPr>
+        </p:nvSpPr>
+        <p:spPr/>
+        <p:txBody>
+          <a:bodyPr/>
+          <a:lstStyle/>
+          <a:p>
+            <a:r>
+              <a:rPr lang="en-US" altLang="ko-KR" dirty="0"/>
+              <a:t>PEGASUS</a:t>
+            </a:r>
+            <a:endParaRPr lang="ko-KR" altLang="en-US" dirty="0"/>
+          </a:p>
+        </p:txBody>
+      </p:sp>
+    </p:spTree>
+    <p:extLst>
+      <p:ext uri="{BB962C8B-B14F-4D97-AF65-F5344CB8AC3E}">
+        <p14:creationId xmlns:p14="http://schemas.microsoft.com/office/powerpoint/2010/main" val="3096104205"/>
+      </p:ext>
+    </p:extLst>
+  </p:cSld>
+  <p:clrMapOvr>
+    <a:masterClrMapping/>
+  </p:clrMapOvr>
+</p:sld>
+</file>
+
 <file path=ppt/slides/slide2.xml><?xml version="1.0" encoding="utf-8"?>
 <p:sld xmlns:a="http://schemas.openxmlformats.org/drawingml/2006/main" xmlns:r="http://schemas.openxmlformats.org/officeDocument/2006/relationships" xmlns:p="http://schemas.openxmlformats.org/presentationml/2006/main">
   <p:cSld>
@@ -8666,6 +9940,562 @@
     <p:extLst>
       <p:ext uri="{BB962C8B-B14F-4D97-AF65-F5344CB8AC3E}">
         <p14:creationId xmlns:p14="http://schemas.microsoft.com/office/powerpoint/2010/main" val="547644354"/>
+      </p:ext>
+    </p:extLst>
+  </p:cSld>
+  <p:clrMapOvr>
+    <a:masterClrMapping/>
+  </p:clrMapOvr>
+</p:sld>
+</file>
+
+<file path=ppt/slides/slide7.xml><?xml version="1.0" encoding="utf-8"?>
+<p:sld xmlns:a="http://schemas.openxmlformats.org/drawingml/2006/main" xmlns:r="http://schemas.openxmlformats.org/officeDocument/2006/relationships" xmlns:p="http://schemas.openxmlformats.org/presentationml/2006/main">
+  <p:cSld>
+    <p:spTree>
+      <p:nvGrpSpPr>
+        <p:cNvPr id="1" name=""/>
+        <p:cNvGrpSpPr/>
+        <p:nvPr/>
+      </p:nvGrpSpPr>
+      <p:grpSpPr>
+        <a:xfrm>
+          <a:off x="0" y="0"/>
+          <a:ext cx="0" cy="0"/>
+          <a:chOff x="0" y="0"/>
+          <a:chExt cx="0" cy="0"/>
+        </a:xfrm>
+      </p:grpSpPr>
+      <p:sp>
+        <p:nvSpPr>
+          <p:cNvPr id="4" name="제목 3">
+            <a:extLst>
+              <a:ext uri="{FF2B5EF4-FFF2-40B4-BE49-F238E27FC236}">
+                <a16:creationId xmlns:a16="http://schemas.microsoft.com/office/drawing/2014/main" id="{637227A6-70F4-B4BC-5EAE-D470004FB81C}"/>
+              </a:ext>
+            </a:extLst>
+          </p:cNvPr>
+          <p:cNvSpPr>
+            <a:spLocks noGrp="1"/>
+          </p:cNvSpPr>
+          <p:nvPr>
+            <p:ph type="title"/>
+          </p:nvPr>
+        </p:nvSpPr>
+        <p:spPr/>
+        <p:txBody>
+          <a:bodyPr/>
+          <a:lstStyle/>
+          <a:p>
+            <a:r>
+              <a:rPr lang="en-US" altLang="ko-KR" dirty="0"/>
+              <a:t>GPT2Config</a:t>
+            </a:r>
+            <a:endParaRPr lang="ko-KR" altLang="en-US" dirty="0"/>
+          </a:p>
+        </p:txBody>
+      </p:sp>
+      <p:grpSp>
+        <p:nvGrpSpPr>
+          <p:cNvPr id="10" name="그룹 9">
+            <a:extLst>
+              <a:ext uri="{FF2B5EF4-FFF2-40B4-BE49-F238E27FC236}">
+                <a16:creationId xmlns:a16="http://schemas.microsoft.com/office/drawing/2014/main" id="{1F12EC5D-7F12-E4C6-BD5F-CC46927004DA}"/>
+              </a:ext>
+            </a:extLst>
+          </p:cNvPr>
+          <p:cNvGrpSpPr/>
+          <p:nvPr/>
+        </p:nvGrpSpPr>
+        <p:grpSpPr>
+          <a:xfrm>
+            <a:off x="328613" y="881063"/>
+            <a:ext cx="2909888" cy="5314949"/>
+            <a:chOff x="528638" y="909638"/>
+            <a:chExt cx="2909888" cy="5314949"/>
+          </a:xfrm>
+        </p:grpSpPr>
+        <p:pic>
+          <p:nvPicPr>
+            <p:cNvPr id="6" name="그림 5">
+              <a:extLst>
+                <a:ext uri="{FF2B5EF4-FFF2-40B4-BE49-F238E27FC236}">
+                  <a16:creationId xmlns:a16="http://schemas.microsoft.com/office/drawing/2014/main" id="{B8BC8AF7-D2A9-AEB3-22F8-EBC4C100CC48}"/>
+                </a:ext>
+              </a:extLst>
+            </p:cNvPr>
+            <p:cNvPicPr>
+              <a:picLocks noChangeAspect="1"/>
+            </p:cNvPicPr>
+            <p:nvPr/>
+          </p:nvPicPr>
+          <p:blipFill rotWithShape="1">
+            <a:blip r:embed="rId2"/>
+            <a:srcRect t="1" r="73867" b="4762"/>
+            <a:stretch/>
+          </p:blipFill>
+          <p:spPr>
+            <a:xfrm>
+              <a:off x="528638" y="909638"/>
+              <a:ext cx="2909888" cy="190499"/>
+            </a:xfrm>
+            <a:prstGeom prst="rect">
+              <a:avLst/>
+            </a:prstGeom>
+          </p:spPr>
+        </p:pic>
+        <p:pic>
+          <p:nvPicPr>
+            <p:cNvPr id="8" name="그림 7">
+              <a:extLst>
+                <a:ext uri="{FF2B5EF4-FFF2-40B4-BE49-F238E27FC236}">
+                  <a16:creationId xmlns:a16="http://schemas.microsoft.com/office/drawing/2014/main" id="{60E6FA71-EA8C-58A3-4237-6FE13E325344}"/>
+                </a:ext>
+              </a:extLst>
+            </p:cNvPr>
+            <p:cNvPicPr>
+              <a:picLocks noChangeAspect="1"/>
+            </p:cNvPicPr>
+            <p:nvPr/>
+          </p:nvPicPr>
+          <p:blipFill rotWithShape="1">
+            <a:blip r:embed="rId3"/>
+            <a:srcRect r="73243"/>
+            <a:stretch/>
+          </p:blipFill>
+          <p:spPr>
+            <a:xfrm>
+              <a:off x="538162" y="1100137"/>
+              <a:ext cx="2900364" cy="5124450"/>
+            </a:xfrm>
+            <a:prstGeom prst="rect">
+              <a:avLst/>
+            </a:prstGeom>
+          </p:spPr>
+        </p:pic>
+      </p:grpSp>
+      <p:pic>
+        <p:nvPicPr>
+          <p:cNvPr id="12" name="그림 11">
+            <a:extLst>
+              <a:ext uri="{FF2B5EF4-FFF2-40B4-BE49-F238E27FC236}">
+                <a16:creationId xmlns:a16="http://schemas.microsoft.com/office/drawing/2014/main" id="{7396DCA4-B9B5-3CEF-31E9-AB166C1DB057}"/>
+              </a:ext>
+            </a:extLst>
+          </p:cNvPr>
+          <p:cNvPicPr>
+            <a:picLocks noChangeAspect="1"/>
+          </p:cNvPicPr>
+          <p:nvPr/>
+        </p:nvPicPr>
+        <p:blipFill>
+          <a:blip r:embed="rId4"/>
+          <a:stretch>
+            <a:fillRect/>
+          </a:stretch>
+        </p:blipFill>
+        <p:spPr>
+          <a:xfrm>
+            <a:off x="3238501" y="1071562"/>
+            <a:ext cx="5391150" cy="5019675"/>
+          </a:xfrm>
+          <a:prstGeom prst="rect">
+            <a:avLst/>
+          </a:prstGeom>
+        </p:spPr>
+      </p:pic>
+    </p:spTree>
+    <p:extLst>
+      <p:ext uri="{BB962C8B-B14F-4D97-AF65-F5344CB8AC3E}">
+        <p14:creationId xmlns:p14="http://schemas.microsoft.com/office/powerpoint/2010/main" val="2918663194"/>
+      </p:ext>
+    </p:extLst>
+  </p:cSld>
+  <p:clrMapOvr>
+    <a:masterClrMapping/>
+  </p:clrMapOvr>
+</p:sld>
+</file>
+
+<file path=ppt/slides/slide8.xml><?xml version="1.0" encoding="utf-8"?>
+<p:sld xmlns:a="http://schemas.openxmlformats.org/drawingml/2006/main" xmlns:r="http://schemas.openxmlformats.org/officeDocument/2006/relationships" xmlns:p="http://schemas.openxmlformats.org/presentationml/2006/main">
+  <p:cSld>
+    <p:spTree>
+      <p:nvGrpSpPr>
+        <p:cNvPr id="1" name=""/>
+        <p:cNvGrpSpPr/>
+        <p:nvPr/>
+      </p:nvGrpSpPr>
+      <p:grpSpPr>
+        <a:xfrm>
+          <a:off x="0" y="0"/>
+          <a:ext cx="0" cy="0"/>
+          <a:chOff x="0" y="0"/>
+          <a:chExt cx="0" cy="0"/>
+        </a:xfrm>
+      </p:grpSpPr>
+      <p:sp>
+        <p:nvSpPr>
+          <p:cNvPr id="2" name="제목 1">
+            <a:extLst>
+              <a:ext uri="{FF2B5EF4-FFF2-40B4-BE49-F238E27FC236}">
+                <a16:creationId xmlns:a16="http://schemas.microsoft.com/office/drawing/2014/main" id="{6E76928F-B46A-C431-3217-54A0F8366058}"/>
+              </a:ext>
+            </a:extLst>
+          </p:cNvPr>
+          <p:cNvSpPr>
+            <a:spLocks noGrp="1"/>
+          </p:cNvSpPr>
+          <p:nvPr>
+            <p:ph type="title"/>
+          </p:nvPr>
+        </p:nvSpPr>
+        <p:spPr/>
+        <p:txBody>
+          <a:bodyPr/>
+          <a:lstStyle/>
+          <a:p>
+            <a:r>
+              <a:rPr lang="en-US" altLang="ko-KR" dirty="0"/>
+              <a:t>GPT2Tokenizer</a:t>
+            </a:r>
+            <a:endParaRPr lang="ko-KR" altLang="en-US" dirty="0"/>
+          </a:p>
+        </p:txBody>
+      </p:sp>
+      <p:pic>
+        <p:nvPicPr>
+          <p:cNvPr id="3" name="그림 2">
+            <a:extLst>
+              <a:ext uri="{FF2B5EF4-FFF2-40B4-BE49-F238E27FC236}">
+                <a16:creationId xmlns:a16="http://schemas.microsoft.com/office/drawing/2014/main" id="{5C44EE0A-A344-7946-D0B1-3CF7A6FA8F48}"/>
+              </a:ext>
+            </a:extLst>
+          </p:cNvPr>
+          <p:cNvPicPr>
+            <a:picLocks noChangeAspect="1"/>
+          </p:cNvPicPr>
+          <p:nvPr/>
+        </p:nvPicPr>
+        <p:blipFill>
+          <a:blip r:embed="rId2"/>
+          <a:stretch>
+            <a:fillRect/>
+          </a:stretch>
+        </p:blipFill>
+        <p:spPr>
+          <a:xfrm>
+            <a:off x="90055" y="732846"/>
+            <a:ext cx="8096250" cy="219075"/>
+          </a:xfrm>
+          <a:prstGeom prst="rect">
+            <a:avLst/>
+          </a:prstGeom>
+        </p:spPr>
+      </p:pic>
+      <p:pic>
+        <p:nvPicPr>
+          <p:cNvPr id="7" name="그림 6">
+            <a:extLst>
+              <a:ext uri="{FF2B5EF4-FFF2-40B4-BE49-F238E27FC236}">
+                <a16:creationId xmlns:a16="http://schemas.microsoft.com/office/drawing/2014/main" id="{1E7F8A89-590B-480A-C89D-0983262F3496}"/>
+              </a:ext>
+            </a:extLst>
+          </p:cNvPr>
+          <p:cNvPicPr>
+            <a:picLocks noChangeAspect="1"/>
+          </p:cNvPicPr>
+          <p:nvPr/>
+        </p:nvPicPr>
+        <p:blipFill>
+          <a:blip r:embed="rId3"/>
+          <a:stretch>
+            <a:fillRect/>
+          </a:stretch>
+        </p:blipFill>
+        <p:spPr>
+          <a:xfrm>
+            <a:off x="90055" y="951921"/>
+            <a:ext cx="7010400" cy="4191000"/>
+          </a:xfrm>
+          <a:prstGeom prst="rect">
+            <a:avLst/>
+          </a:prstGeom>
+        </p:spPr>
+      </p:pic>
+      <p:pic>
+        <p:nvPicPr>
+          <p:cNvPr id="9" name="그림 8">
+            <a:extLst>
+              <a:ext uri="{FF2B5EF4-FFF2-40B4-BE49-F238E27FC236}">
+                <a16:creationId xmlns:a16="http://schemas.microsoft.com/office/drawing/2014/main" id="{F61208B5-60DD-552D-DF32-32E78DBCCE4B}"/>
+              </a:ext>
+            </a:extLst>
+          </p:cNvPr>
+          <p:cNvPicPr>
+            <a:picLocks noChangeAspect="1"/>
+          </p:cNvPicPr>
+          <p:nvPr/>
+        </p:nvPicPr>
+        <p:blipFill>
+          <a:blip r:embed="rId4"/>
+          <a:stretch>
+            <a:fillRect/>
+          </a:stretch>
+        </p:blipFill>
+        <p:spPr>
+          <a:xfrm>
+            <a:off x="7258050" y="951921"/>
+            <a:ext cx="4229100" cy="4343400"/>
+          </a:xfrm>
+          <a:prstGeom prst="rect">
+            <a:avLst/>
+          </a:prstGeom>
+        </p:spPr>
+      </p:pic>
+    </p:spTree>
+    <p:extLst>
+      <p:ext uri="{BB962C8B-B14F-4D97-AF65-F5344CB8AC3E}">
+        <p14:creationId xmlns:p14="http://schemas.microsoft.com/office/powerpoint/2010/main" val="1065530527"/>
+      </p:ext>
+    </p:extLst>
+  </p:cSld>
+  <p:clrMapOvr>
+    <a:masterClrMapping/>
+  </p:clrMapOvr>
+</p:sld>
+</file>
+
+<file path=ppt/slides/slide9.xml><?xml version="1.0" encoding="utf-8"?>
+<p:sld xmlns:a="http://schemas.openxmlformats.org/drawingml/2006/main" xmlns:r="http://schemas.openxmlformats.org/officeDocument/2006/relationships" xmlns:p="http://schemas.openxmlformats.org/presentationml/2006/main">
+  <p:cSld>
+    <p:spTree>
+      <p:nvGrpSpPr>
+        <p:cNvPr id="1" name=""/>
+        <p:cNvGrpSpPr/>
+        <p:nvPr/>
+      </p:nvGrpSpPr>
+      <p:grpSpPr>
+        <a:xfrm>
+          <a:off x="0" y="0"/>
+          <a:ext cx="0" cy="0"/>
+          <a:chOff x="0" y="0"/>
+          <a:chExt cx="0" cy="0"/>
+        </a:xfrm>
+      </p:grpSpPr>
+      <p:sp>
+        <p:nvSpPr>
+          <p:cNvPr id="2" name="제목 1">
+            <a:extLst>
+              <a:ext uri="{FF2B5EF4-FFF2-40B4-BE49-F238E27FC236}">
+                <a16:creationId xmlns:a16="http://schemas.microsoft.com/office/drawing/2014/main" id="{6E76928F-B46A-C431-3217-54A0F8366058}"/>
+              </a:ext>
+            </a:extLst>
+          </p:cNvPr>
+          <p:cNvSpPr>
+            <a:spLocks noGrp="1"/>
+          </p:cNvSpPr>
+          <p:nvPr>
+            <p:ph type="title"/>
+          </p:nvPr>
+        </p:nvSpPr>
+        <p:spPr/>
+        <p:txBody>
+          <a:bodyPr/>
+          <a:lstStyle/>
+          <a:p>
+            <a:r>
+              <a:rPr lang="en-US" altLang="ko-KR" dirty="0"/>
+              <a:t>GPT2Tokenizer</a:t>
+            </a:r>
+            <a:endParaRPr lang="ko-KR" altLang="en-US" dirty="0"/>
+          </a:p>
+        </p:txBody>
+      </p:sp>
+      <p:pic>
+        <p:nvPicPr>
+          <p:cNvPr id="3" name="그림 2">
+            <a:extLst>
+              <a:ext uri="{FF2B5EF4-FFF2-40B4-BE49-F238E27FC236}">
+                <a16:creationId xmlns:a16="http://schemas.microsoft.com/office/drawing/2014/main" id="{5C44EE0A-A344-7946-D0B1-3CF7A6FA8F48}"/>
+              </a:ext>
+            </a:extLst>
+          </p:cNvPr>
+          <p:cNvPicPr>
+            <a:picLocks noChangeAspect="1"/>
+          </p:cNvPicPr>
+          <p:nvPr/>
+        </p:nvPicPr>
+        <p:blipFill>
+          <a:blip r:embed="rId2"/>
+          <a:stretch>
+            <a:fillRect/>
+          </a:stretch>
+        </p:blipFill>
+        <p:spPr>
+          <a:xfrm>
+            <a:off x="90055" y="732846"/>
+            <a:ext cx="8096250" cy="219075"/>
+          </a:xfrm>
+          <a:prstGeom prst="rect">
+            <a:avLst/>
+          </a:prstGeom>
+        </p:spPr>
+      </p:pic>
+      <p:pic>
+        <p:nvPicPr>
+          <p:cNvPr id="5" name="그림 4">
+            <a:extLst>
+              <a:ext uri="{FF2B5EF4-FFF2-40B4-BE49-F238E27FC236}">
+                <a16:creationId xmlns:a16="http://schemas.microsoft.com/office/drawing/2014/main" id="{EE295C73-7393-1D3E-5B01-EF94DBA16DDB}"/>
+              </a:ext>
+            </a:extLst>
+          </p:cNvPr>
+          <p:cNvPicPr>
+            <a:picLocks noChangeAspect="1"/>
+          </p:cNvPicPr>
+          <p:nvPr/>
+        </p:nvPicPr>
+        <p:blipFill>
+          <a:blip r:embed="rId3"/>
+          <a:stretch>
+            <a:fillRect/>
+          </a:stretch>
+        </p:blipFill>
+        <p:spPr>
+          <a:xfrm>
+            <a:off x="90055" y="951921"/>
+            <a:ext cx="6610350" cy="762000"/>
+          </a:xfrm>
+          <a:prstGeom prst="rect">
+            <a:avLst/>
+          </a:prstGeom>
+        </p:spPr>
+      </p:pic>
+      <p:pic>
+        <p:nvPicPr>
+          <p:cNvPr id="8" name="그림 7">
+            <a:extLst>
+              <a:ext uri="{FF2B5EF4-FFF2-40B4-BE49-F238E27FC236}">
+                <a16:creationId xmlns:a16="http://schemas.microsoft.com/office/drawing/2014/main" id="{F9905CAE-5D8C-93D8-9EB5-0FF60BFBADE3}"/>
+              </a:ext>
+            </a:extLst>
+          </p:cNvPr>
+          <p:cNvPicPr>
+            <a:picLocks noChangeAspect="1"/>
+          </p:cNvPicPr>
+          <p:nvPr/>
+        </p:nvPicPr>
+        <p:blipFill>
+          <a:blip r:embed="rId4"/>
+          <a:stretch>
+            <a:fillRect/>
+          </a:stretch>
+        </p:blipFill>
+        <p:spPr>
+          <a:xfrm>
+            <a:off x="90055" y="1713921"/>
+            <a:ext cx="3733800" cy="1171575"/>
+          </a:xfrm>
+          <a:prstGeom prst="rect">
+            <a:avLst/>
+          </a:prstGeom>
+        </p:spPr>
+      </p:pic>
+      <p:pic>
+        <p:nvPicPr>
+          <p:cNvPr id="11" name="그림 10">
+            <a:extLst>
+              <a:ext uri="{FF2B5EF4-FFF2-40B4-BE49-F238E27FC236}">
+                <a16:creationId xmlns:a16="http://schemas.microsoft.com/office/drawing/2014/main" id="{81C7CB11-4509-6BB6-5379-DEB330246A60}"/>
+              </a:ext>
+            </a:extLst>
+          </p:cNvPr>
+          <p:cNvPicPr>
+            <a:picLocks noChangeAspect="1"/>
+          </p:cNvPicPr>
+          <p:nvPr/>
+        </p:nvPicPr>
+        <p:blipFill>
+          <a:blip r:embed="rId5"/>
+          <a:stretch>
+            <a:fillRect/>
+          </a:stretch>
+        </p:blipFill>
+        <p:spPr>
+          <a:xfrm>
+            <a:off x="6815570" y="732846"/>
+            <a:ext cx="5286375" cy="5708042"/>
+          </a:xfrm>
+          <a:prstGeom prst="rect">
+            <a:avLst/>
+          </a:prstGeom>
+        </p:spPr>
+      </p:pic>
+      <p:pic>
+        <p:nvPicPr>
+          <p:cNvPr id="13" name="그림 12">
+            <a:extLst>
+              <a:ext uri="{FF2B5EF4-FFF2-40B4-BE49-F238E27FC236}">
+                <a16:creationId xmlns:a16="http://schemas.microsoft.com/office/drawing/2014/main" id="{A5FCC47B-EF3B-4B2B-C23C-C155BDE75FAF}"/>
+              </a:ext>
+            </a:extLst>
+          </p:cNvPr>
+          <p:cNvPicPr>
+            <a:picLocks noChangeAspect="1"/>
+          </p:cNvPicPr>
+          <p:nvPr/>
+        </p:nvPicPr>
+        <p:blipFill>
+          <a:blip r:embed="rId6"/>
+          <a:stretch>
+            <a:fillRect/>
+          </a:stretch>
+        </p:blipFill>
+        <p:spPr>
+          <a:xfrm>
+            <a:off x="90055" y="3023666"/>
+            <a:ext cx="6877050" cy="1781175"/>
+          </a:xfrm>
+          <a:prstGeom prst="rect">
+            <a:avLst/>
+          </a:prstGeom>
+        </p:spPr>
+      </p:pic>
+      <p:pic>
+        <p:nvPicPr>
+          <p:cNvPr id="17" name="그림 16">
+            <a:extLst>
+              <a:ext uri="{FF2B5EF4-FFF2-40B4-BE49-F238E27FC236}">
+                <a16:creationId xmlns:a16="http://schemas.microsoft.com/office/drawing/2014/main" id="{77268B9E-3C07-D1BE-EDA8-6AFC021DC591}"/>
+              </a:ext>
+            </a:extLst>
+          </p:cNvPr>
+          <p:cNvPicPr>
+            <a:picLocks noChangeAspect="1"/>
+          </p:cNvPicPr>
+          <p:nvPr/>
+        </p:nvPicPr>
+        <p:blipFill>
+          <a:blip r:embed="rId7"/>
+          <a:stretch>
+            <a:fillRect/>
+          </a:stretch>
+        </p:blipFill>
+        <p:spPr>
+          <a:xfrm>
+            <a:off x="90055" y="4804841"/>
+            <a:ext cx="5991225" cy="971550"/>
+          </a:xfrm>
+          <a:prstGeom prst="rect">
+            <a:avLst/>
+          </a:prstGeom>
+        </p:spPr>
+      </p:pic>
+    </p:spTree>
+    <p:extLst>
+      <p:ext uri="{BB962C8B-B14F-4D97-AF65-F5344CB8AC3E}">
+        <p14:creationId xmlns:p14="http://schemas.microsoft.com/office/powerpoint/2010/main" val="2118435114"/>
       </p:ext>
     </p:extLst>
   </p:cSld>
@@ -9266,12 +11096,9 @@
 </file>
 
 <file path=customXml/item1.xml><?xml version="1.0" encoding="utf-8"?>
-<?mso-contentType ?>
-<FormTemplates xmlns="http://schemas.microsoft.com/sharepoint/v3/contenttype/forms">
-  <Display>DocumentLibraryForm</Display>
-  <Edit>DocumentLibraryForm</Edit>
-  <New>DocumentLibraryForm</New>
-</FormTemplates>
+<p:properties xmlns:p="http://schemas.microsoft.com/office/2006/metadata/properties" xmlns:xsi="http://www.w3.org/2001/XMLSchema-instance" xmlns:pc="http://schemas.microsoft.com/office/infopath/2007/PartnerControls">
+  <documentManagement/>
+</p:properties>
 </file>
 
 <file path=customXml/item2.xml><?xml version="1.0" encoding="utf-8"?>
@@ -9407,15 +11234,26 @@
 </file>
 
 <file path=customXml/item3.xml><?xml version="1.0" encoding="utf-8"?>
-<p:properties xmlns:p="http://schemas.microsoft.com/office/2006/metadata/properties" xmlns:xsi="http://www.w3.org/2001/XMLSchema-instance" xmlns:pc="http://schemas.microsoft.com/office/infopath/2007/PartnerControls">
-  <documentManagement/>
-</p:properties>
+<?mso-contentType ?>
+<FormTemplates xmlns="http://schemas.microsoft.com/sharepoint/v3/contenttype/forms">
+  <Display>DocumentLibraryForm</Display>
+  <Edit>DocumentLibraryForm</Edit>
+  <New>DocumentLibraryForm</New>
+</FormTemplates>
 </file>
 
 <file path=customXml/itemProps1.xml><?xml version="1.0" encoding="utf-8"?>
-<ds:datastoreItem xmlns:ds="http://schemas.openxmlformats.org/officeDocument/2006/customXml" ds:itemID="{44BD24A1-BDC2-4CFC-AF59-EF864FCF7E99}">
+<ds:datastoreItem xmlns:ds="http://schemas.openxmlformats.org/officeDocument/2006/customXml" ds:itemID="{36F3DF26-1173-4270-9890-F33D09EAA743}">
   <ds:schemaRefs>
-    <ds:schemaRef ds:uri="http://schemas.microsoft.com/sharepoint/v3/contenttype/forms"/>
+    <ds:schemaRef ds:uri="http://purl.org/dc/terms/"/>
+    <ds:schemaRef ds:uri="http://purl.org/dc/elements/1.1/"/>
+    <ds:schemaRef ds:uri="http://purl.org/dc/dcmitype/"/>
+    <ds:schemaRef ds:uri="http://schemas.microsoft.com/office/infopath/2007/PartnerControls"/>
+    <ds:schemaRef ds:uri="http://schemas.openxmlformats.org/package/2006/metadata/core-properties"/>
+    <ds:schemaRef ds:uri="http://schemas.microsoft.com/office/2006/documentManagement/types"/>
+    <ds:schemaRef ds:uri="http://schemas.microsoft.com/office/2006/metadata/properties"/>
+    <ds:schemaRef ds:uri="0689391c-fe69-479d-a32a-c682b48309f3"/>
+    <ds:schemaRef ds:uri="http://www.w3.org/XML/1998/namespace"/>
   </ds:schemaRefs>
 </ds:datastoreItem>
 </file>
@@ -9439,17 +11277,9 @@
 </file>
 
 <file path=customXml/itemProps3.xml><?xml version="1.0" encoding="utf-8"?>
-<ds:datastoreItem xmlns:ds="http://schemas.openxmlformats.org/officeDocument/2006/customXml" ds:itemID="{36F3DF26-1173-4270-9890-F33D09EAA743}">
+<ds:datastoreItem xmlns:ds="http://schemas.openxmlformats.org/officeDocument/2006/customXml" ds:itemID="{44BD24A1-BDC2-4CFC-AF59-EF864FCF7E99}">
   <ds:schemaRefs>
-    <ds:schemaRef ds:uri="http://purl.org/dc/terms/"/>
-    <ds:schemaRef ds:uri="http://purl.org/dc/elements/1.1/"/>
-    <ds:schemaRef ds:uri="http://purl.org/dc/dcmitype/"/>
-    <ds:schemaRef ds:uri="http://schemas.microsoft.com/office/infopath/2007/PartnerControls"/>
-    <ds:schemaRef ds:uri="http://schemas.openxmlformats.org/package/2006/metadata/core-properties"/>
-    <ds:schemaRef ds:uri="http://schemas.microsoft.com/office/2006/documentManagement/types"/>
-    <ds:schemaRef ds:uri="http://schemas.microsoft.com/office/2006/metadata/properties"/>
-    <ds:schemaRef ds:uri="0689391c-fe69-479d-a32a-c682b48309f3"/>
-    <ds:schemaRef ds:uri="http://www.w3.org/XML/1998/namespace"/>
+    <ds:schemaRef ds:uri="http://schemas.microsoft.com/sharepoint/v3/contenttype/forms"/>
   </ds:schemaRefs>
 </ds:datastoreItem>
 </file>